--- a/HOST BEHAVIOUR ANALYSIS.pptx
+++ b/HOST BEHAVIOUR ANALYSIS.pptx
@@ -20728,7 +20728,7 @@
           <a:p>
             <a:fld id="{59342875-265A-40E2-99FB-E04EAC633759}" type="datetimeFigureOut">
               <a:rPr lang="en-US" smtClean="0"/>
-              <a:t>4/18/2023</a:t>
+              <a:t>4/27/2023</a:t>
             </a:fld>
             <a:endParaRPr lang="en-US"/>
           </a:p>
@@ -20926,7 +20926,7 @@
           <a:p>
             <a:fld id="{59342875-265A-40E2-99FB-E04EAC633759}" type="datetimeFigureOut">
               <a:rPr lang="en-US" smtClean="0"/>
-              <a:t>4/18/2023</a:t>
+              <a:t>4/27/2023</a:t>
             </a:fld>
             <a:endParaRPr lang="en-US"/>
           </a:p>
@@ -21134,7 +21134,7 @@
           <a:p>
             <a:fld id="{59342875-265A-40E2-99FB-E04EAC633759}" type="datetimeFigureOut">
               <a:rPr lang="en-US" smtClean="0"/>
-              <a:t>4/18/2023</a:t>
+              <a:t>4/27/2023</a:t>
             </a:fld>
             <a:endParaRPr lang="en-US"/>
           </a:p>
@@ -22997,7 +22997,7 @@
           <a:p>
             <a:fld id="{59342875-265A-40E2-99FB-E04EAC633759}" type="datetimeFigureOut">
               <a:rPr lang="en-US" smtClean="0"/>
-              <a:t>4/18/2023</a:t>
+              <a:t>4/27/2023</a:t>
             </a:fld>
             <a:endParaRPr lang="en-US"/>
           </a:p>
@@ -23272,7 +23272,7 @@
           <a:p>
             <a:fld id="{59342875-265A-40E2-99FB-E04EAC633759}" type="datetimeFigureOut">
               <a:rPr lang="en-US" smtClean="0"/>
-              <a:t>4/18/2023</a:t>
+              <a:t>4/27/2023</a:t>
             </a:fld>
             <a:endParaRPr lang="en-US"/>
           </a:p>
@@ -23537,7 +23537,7 @@
           <a:p>
             <a:fld id="{59342875-265A-40E2-99FB-E04EAC633759}" type="datetimeFigureOut">
               <a:rPr lang="en-US" smtClean="0"/>
-              <a:t>4/18/2023</a:t>
+              <a:t>4/27/2023</a:t>
             </a:fld>
             <a:endParaRPr lang="en-US"/>
           </a:p>
@@ -23949,7 +23949,7 @@
           <a:p>
             <a:fld id="{59342875-265A-40E2-99FB-E04EAC633759}" type="datetimeFigureOut">
               <a:rPr lang="en-US" smtClean="0"/>
-              <a:t>4/18/2023</a:t>
+              <a:t>4/27/2023</a:t>
             </a:fld>
             <a:endParaRPr lang="en-US"/>
           </a:p>
@@ -24090,7 +24090,7 @@
           <a:p>
             <a:fld id="{59342875-265A-40E2-99FB-E04EAC633759}" type="datetimeFigureOut">
               <a:rPr lang="en-US" smtClean="0"/>
-              <a:t>4/18/2023</a:t>
+              <a:t>4/27/2023</a:t>
             </a:fld>
             <a:endParaRPr lang="en-US"/>
           </a:p>
@@ -24203,7 +24203,7 @@
           <a:p>
             <a:fld id="{59342875-265A-40E2-99FB-E04EAC633759}" type="datetimeFigureOut">
               <a:rPr lang="en-US" smtClean="0"/>
-              <a:t>4/18/2023</a:t>
+              <a:t>4/27/2023</a:t>
             </a:fld>
             <a:endParaRPr lang="en-US"/>
           </a:p>
@@ -24514,7 +24514,7 @@
           <a:p>
             <a:fld id="{59342875-265A-40E2-99FB-E04EAC633759}" type="datetimeFigureOut">
               <a:rPr lang="en-US" smtClean="0"/>
-              <a:t>4/18/2023</a:t>
+              <a:t>4/27/2023</a:t>
             </a:fld>
             <a:endParaRPr lang="en-US"/>
           </a:p>
@@ -24802,7 +24802,7 @@
           <a:p>
             <a:fld id="{59342875-265A-40E2-99FB-E04EAC633759}" type="datetimeFigureOut">
               <a:rPr lang="en-US" smtClean="0"/>
-              <a:t>4/18/2023</a:t>
+              <a:t>4/27/2023</a:t>
             </a:fld>
             <a:endParaRPr lang="en-US"/>
           </a:p>
@@ -25043,7 +25043,7 @@
           <a:p>
             <a:fld id="{59342875-265A-40E2-99FB-E04EAC633759}" type="datetimeFigureOut">
               <a:rPr lang="en-US" smtClean="0"/>
-              <a:t>4/18/2023</a:t>
+              <a:t>4/27/2023</a:t>
             </a:fld>
             <a:endParaRPr lang="en-US"/>
           </a:p>
@@ -25586,102 +25586,21 @@
         <p:spPr>
           <a:xfrm>
             <a:off x="247650" y="4665663"/>
-            <a:ext cx="3905250" cy="2003424"/>
+            <a:ext cx="5749738" cy="820737"/>
           </a:xfrm>
         </p:spPr>
         <p:txBody>
           <a:bodyPr numCol="1">
-            <a:normAutofit fontScale="92500" lnSpcReduction="10000"/>
+            <a:normAutofit/>
           </a:bodyPr>
           <a:lstStyle/>
-          <a:p>
-            <a:pPr algn="l"/>
-            <a:r>
-              <a:rPr lang="en-US" dirty="0">
-                <a:solidFill>
-                  <a:schemeClr val="bg2"/>
-                </a:solidFill>
-                <a:effectLst>
-                  <a:outerShdw blurRad="38100" dist="38100" dir="2700000" algn="tl">
-                    <a:srgbClr val="000000">
-                      <a:alpha val="43137"/>
-                    </a:srgbClr>
-                  </a:outerShdw>
-                </a:effectLst>
-              </a:rPr>
-              <a:t>By - </a:t>
-            </a:r>
-          </a:p>
           <a:p>
             <a:pPr marL="342900" indent="-342900" algn="l">
               <a:buFont typeface="Arial" panose="020B0604020202020204" pitchFamily="34" charset="0"/>
               <a:buChar char="•"/>
             </a:pPr>
             <a:r>
-              <a:rPr lang="en-US" dirty="0">
-                <a:solidFill>
-                  <a:schemeClr val="bg2"/>
-                </a:solidFill>
-                <a:effectLst>
-                  <a:outerShdw blurRad="38100" dist="38100" dir="2700000" algn="tl">
-                    <a:srgbClr val="000000">
-                      <a:alpha val="43137"/>
-                    </a:srgbClr>
-                  </a:outerShdw>
-                </a:effectLst>
-              </a:rPr>
-              <a:t>Anish Shaw</a:t>
-            </a:r>
-          </a:p>
-          <a:p>
-            <a:pPr marL="342900" indent="-342900" algn="l">
-              <a:buFont typeface="Arial" panose="020B0604020202020204" pitchFamily="34" charset="0"/>
-              <a:buChar char="•"/>
-            </a:pPr>
-            <a:r>
-              <a:rPr lang="en-US" dirty="0">
-                <a:solidFill>
-                  <a:schemeClr val="bg2"/>
-                </a:solidFill>
-                <a:effectLst>
-                  <a:outerShdw blurRad="38100" dist="38100" dir="2700000" algn="tl">
-                    <a:srgbClr val="000000">
-                      <a:alpha val="43137"/>
-                    </a:srgbClr>
-                  </a:outerShdw>
-                </a:effectLst>
-              </a:rPr>
-              <a:t>Ashish Kumar</a:t>
-            </a:r>
-          </a:p>
-          <a:p>
-            <a:pPr marL="342900" indent="-342900" algn="l">
-              <a:buFont typeface="Arial" panose="020B0604020202020204" pitchFamily="34" charset="0"/>
-              <a:buChar char="•"/>
-            </a:pPr>
-            <a:r>
-              <a:rPr lang="en-US" dirty="0">
-                <a:solidFill>
-                  <a:schemeClr val="bg2"/>
-                </a:solidFill>
-                <a:effectLst>
-                  <a:outerShdw blurRad="38100" dist="38100" dir="2700000" algn="tl">
-                    <a:srgbClr val="000000">
-                      <a:alpha val="43137"/>
-                    </a:srgbClr>
-                  </a:outerShdw>
-                </a:effectLst>
-              </a:rPr>
-              <a:t>Abhishek Mali</a:t>
-            </a:r>
-          </a:p>
-          <a:p>
-            <a:pPr marL="342900" indent="-342900" algn="l">
-              <a:buFont typeface="Arial" panose="020B0604020202020204" pitchFamily="34" charset="0"/>
-              <a:buChar char="•"/>
-            </a:pPr>
-            <a:r>
-              <a:rPr lang="en-US" dirty="0">
+              <a:rPr lang="en-US" sz="3600" dirty="0">
                 <a:solidFill>
                   <a:schemeClr val="bg2"/>
                 </a:solidFill>
